--- a/tnguyen/Suicide Across the World rev3 (SB).pptx
+++ b/tnguyen/Suicide Across the World rev3 (SB).pptx
@@ -703,6 +703,90 @@
           <a:p>
             <a:fld id="{BE60DC36-8EFA-4378-9855-E019C55AC472}" type="slidenum">
               <a:rPr lang="en-US" smtClean="0"/>
+              <a:t>2</a:t>
+            </a:fld>
+            <a:endParaRPr lang="en-US" dirty="0"/>
+          </a:p>
+        </p:txBody>
+      </p:sp>
+    </p:spTree>
+    <p:extLst>
+      <p:ext uri="{BB962C8B-B14F-4D97-AF65-F5344CB8AC3E}">
+        <p14:creationId xmlns:p14="http://schemas.microsoft.com/office/powerpoint/2010/main" val="3255242243"/>
+      </p:ext>
+    </p:extLst>
+  </p:cSld>
+  <p:clrMapOvr>
+    <a:masterClrMapping/>
+  </p:clrMapOvr>
+</p:notes>
+</file>
+
+<file path=ppt/notesSlides/notesSlide3.xml><?xml version="1.0" encoding="utf-8"?>
+<p:notes xmlns:a="http://schemas.openxmlformats.org/drawingml/2006/main" xmlns:r="http://schemas.openxmlformats.org/officeDocument/2006/relationships" xmlns:p="http://schemas.openxmlformats.org/presentationml/2006/main">
+  <p:cSld>
+    <p:spTree>
+      <p:nvGrpSpPr>
+        <p:cNvPr id="1" name=""/>
+        <p:cNvGrpSpPr/>
+        <p:nvPr/>
+      </p:nvGrpSpPr>
+      <p:grpSpPr>
+        <a:xfrm>
+          <a:off x="0" y="0"/>
+          <a:ext cx="0" cy="0"/>
+          <a:chOff x="0" y="0"/>
+          <a:chExt cx="0" cy="0"/>
+        </a:xfrm>
+      </p:grpSpPr>
+      <p:sp>
+        <p:nvSpPr>
+          <p:cNvPr id="2" name="Slide Image Placeholder 1"/>
+          <p:cNvSpPr>
+            <a:spLocks noGrp="1" noRot="1" noChangeAspect="1"/>
+          </p:cNvSpPr>
+          <p:nvPr>
+            <p:ph type="sldImg"/>
+          </p:nvPr>
+        </p:nvSpPr>
+        <p:spPr/>
+      </p:sp>
+      <p:sp>
+        <p:nvSpPr>
+          <p:cNvPr id="3" name="Notes Placeholder 2"/>
+          <p:cNvSpPr>
+            <a:spLocks noGrp="1"/>
+          </p:cNvSpPr>
+          <p:nvPr>
+            <p:ph type="body" idx="1"/>
+          </p:nvPr>
+        </p:nvSpPr>
+        <p:spPr/>
+        <p:txBody>
+          <a:bodyPr/>
+          <a:lstStyle/>
+          <a:p>
+            <a:endParaRPr lang="en-US" dirty="0"/>
+          </a:p>
+        </p:txBody>
+      </p:sp>
+      <p:sp>
+        <p:nvSpPr>
+          <p:cNvPr id="4" name="Slide Number Placeholder 3"/>
+          <p:cNvSpPr>
+            <a:spLocks noGrp="1"/>
+          </p:cNvSpPr>
+          <p:nvPr>
+            <p:ph type="sldNum" sz="quarter" idx="5"/>
+          </p:nvPr>
+        </p:nvSpPr>
+        <p:spPr/>
+        <p:txBody>
+          <a:bodyPr/>
+          <a:lstStyle/>
+          <a:p>
+            <a:fld id="{BE60DC36-8EFA-4378-9855-E019C55AC472}" type="slidenum">
+              <a:rPr lang="en-US" smtClean="0"/>
               <a:t>3</a:t>
             </a:fld>
             <a:endParaRPr lang="en-US" dirty="0"/>
@@ -722,7 +806,7 @@
 </p:notes>
 </file>
 
-<file path=ppt/notesSlides/notesSlide3.xml><?xml version="1.0" encoding="utf-8"?>
+<file path=ppt/notesSlides/notesSlide4.xml><?xml version="1.0" encoding="utf-8"?>
 <p:notes xmlns:a="http://schemas.openxmlformats.org/drawingml/2006/main" xmlns:r="http://schemas.openxmlformats.org/officeDocument/2006/relationships" xmlns:p="http://schemas.openxmlformats.org/presentationml/2006/main">
   <p:cSld>
     <p:spTree>
@@ -9254,7 +9338,7 @@
     <p:bg>
       <p:bgPr>
         <a:blipFill dpi="0" rotWithShape="1">
-          <a:blip r:embed="rId2">
+          <a:blip r:embed="rId3">
             <a:alphaModFix amt="25000"/>
             <a:lum/>
           </a:blip>
@@ -10020,7 +10104,7 @@
           <p:nvPr/>
         </p:nvPicPr>
         <p:blipFill>
-          <a:blip r:embed="rId3">
+          <a:blip r:embed="rId4">
             <a:extLst>
               <a:ext uri="{28A0092B-C50C-407E-A947-70E740481C1C}">
                 <a14:useLocalDpi xmlns:a14="http://schemas.microsoft.com/office/drawing/2010/main" val="0"/>
@@ -10056,7 +10140,7 @@
           <p:nvPr/>
         </p:nvPicPr>
         <p:blipFill>
-          <a:blip r:embed="rId4">
+          <a:blip r:embed="rId5">
             <a:extLst>
               <a:ext uri="{28A0092B-C50C-407E-A947-70E740481C1C}">
                 <a14:useLocalDpi xmlns:a14="http://schemas.microsoft.com/office/drawing/2010/main" val="0"/>
@@ -11208,7 +11292,7 @@
         </p:blipFill>
         <p:spPr>
           <a:xfrm>
-            <a:off x="8915551" y="3713134"/>
+            <a:off x="8948371" y="3648252"/>
             <a:ext cx="2401031" cy="2391360"/>
           </a:xfrm>
           <a:prstGeom prst="rect">
@@ -11237,7 +11321,7 @@
         </p:blipFill>
         <p:spPr>
           <a:xfrm>
-            <a:off x="557755" y="3648252"/>
+            <a:off x="524934" y="3763273"/>
             <a:ext cx="2446187" cy="2161318"/>
           </a:xfrm>
           <a:prstGeom prst="rect">
@@ -11309,8 +11393,8 @@
         </p:blipFill>
         <p:spPr>
           <a:xfrm>
-            <a:off x="6126480" y="913497"/>
-            <a:ext cx="6113920" cy="2445569"/>
+            <a:off x="6126480" y="871765"/>
+            <a:ext cx="6065518" cy="2426208"/>
           </a:xfrm>
           <a:prstGeom prst="rect">
             <a:avLst/>
@@ -11651,7 +11735,7 @@
         </p:blipFill>
         <p:spPr>
           <a:xfrm>
-            <a:off x="4054036" y="2792892"/>
+            <a:off x="0" y="3798764"/>
             <a:ext cx="4292600" cy="2871271"/>
           </a:xfrm>
           <a:prstGeom prst="rect">
@@ -11681,7 +11765,7 @@
         </p:blipFill>
         <p:spPr>
           <a:xfrm>
-            <a:off x="-8743" y="4065108"/>
+            <a:off x="4077695" y="2296348"/>
             <a:ext cx="4103709" cy="2744925"/>
           </a:xfrm>
           <a:prstGeom prst="rect">
@@ -11733,8 +11817,8 @@
         </p:nvSpPr>
         <p:spPr>
           <a:xfrm>
-            <a:off x="1269281" y="1086964"/>
-            <a:ext cx="2570784" cy="230128"/>
+            <a:off x="1633842" y="749524"/>
+            <a:ext cx="1173473" cy="243656"/>
           </a:xfrm>
           <a:prstGeom prst="rect">
             <a:avLst/>
@@ -11752,9 +11836,9 @@
               </a:lnSpc>
             </a:pPr>
             <a:r>
-              <a:rPr lang="en-US" sz="1400" b="1" dirty="0">
+              <a:rPr lang="en-US" sz="1600" b="1" dirty="0">
                 <a:solidFill>
-                  <a:schemeClr val="accent3">
+                  <a:schemeClr val="accent4">
                     <a:lumMod val="75000"/>
                   </a:schemeClr>
                 </a:solidFill>
@@ -11780,7 +11864,7 @@
         </p:nvSpPr>
         <p:spPr>
           <a:xfrm>
-            <a:off x="1269281" y="1317092"/>
+            <a:off x="805389" y="1034060"/>
             <a:ext cx="2570784" cy="492443"/>
           </a:xfrm>
           <a:prstGeom prst="rect">
@@ -11793,6 +11877,7 @@
           </a:bodyPr>
           <a:lstStyle/>
           <a:p>
+            <a:pPr algn="ctr"/>
             <a:r>
               <a:rPr lang="en-US" sz="3200" dirty="0">
                 <a:solidFill>
@@ -11832,8 +11917,8 @@
         </p:nvSpPr>
         <p:spPr>
           <a:xfrm>
-            <a:off x="1269281" y="1938650"/>
-            <a:ext cx="2429357" cy="710707"/>
+            <a:off x="8181404" y="4369115"/>
+            <a:ext cx="3779495" cy="2423036"/>
           </a:xfrm>
           <a:prstGeom prst="rect">
             <a:avLst/>
@@ -11845,10 +11930,12 @@
           </a:bodyPr>
           <a:lstStyle/>
           <a:p>
-            <a:pPr>
+            <a:pPr marL="285750" indent="-285750">
               <a:lnSpc>
                 <a:spcPts val="1900"/>
               </a:lnSpc>
+              <a:buFontTx/>
+              <a:buChar char="-"/>
             </a:pPr>
             <a:r>
               <a:rPr lang="en-US" sz="1400" b="1" dirty="0">
@@ -11860,7 +11947,282 @@
                 </a:solidFill>
                 <a:cs typeface="Segoe UI" panose="020B0502040204020203" pitchFamily="34" charset="0"/>
               </a:rPr>
-              <a:t>Extremely Significant Correlation Between Latitude and Suicide Rate</a:t>
+              <a:t>Slight Correlation Between GDP and Suicide Rate</a:t>
+            </a:r>
+          </a:p>
+          <a:p>
+            <a:pPr marL="285750" indent="-285750">
+              <a:lnSpc>
+                <a:spcPts val="1900"/>
+              </a:lnSpc>
+              <a:buFontTx/>
+              <a:buChar char="-"/>
+            </a:pPr>
+            <a:endParaRPr lang="en-US" sz="1400" b="1" dirty="0">
+              <a:solidFill>
+                <a:schemeClr val="tx1">
+                  <a:lumMod val="75000"/>
+                  <a:lumOff val="25000"/>
+                </a:schemeClr>
+              </a:solidFill>
+              <a:cs typeface="Segoe UI" panose="020B0502040204020203" pitchFamily="34" charset="0"/>
+            </a:endParaRPr>
+          </a:p>
+          <a:p>
+            <a:pPr marL="285750" indent="-285750">
+              <a:lnSpc>
+                <a:spcPts val="1900"/>
+              </a:lnSpc>
+              <a:buFontTx/>
+              <a:buChar char="-"/>
+            </a:pPr>
+            <a:r>
+              <a:rPr lang="en-US" sz="1400" b="1" dirty="0">
+                <a:solidFill>
+                  <a:schemeClr val="tx1">
+                    <a:lumMod val="75000"/>
+                    <a:lumOff val="25000"/>
+                  </a:schemeClr>
+                </a:solidFill>
+                <a:cs typeface="Segoe UI" panose="020B0502040204020203" pitchFamily="34" charset="0"/>
+              </a:rPr>
+              <a:t>Slight decrease in correlation </a:t>
+            </a:r>
+          </a:p>
+          <a:p>
+            <a:pPr>
+              <a:lnSpc>
+                <a:spcPts val="1900"/>
+              </a:lnSpc>
+            </a:pPr>
+            <a:endParaRPr lang="en-US" sz="1400" b="1" dirty="0">
+              <a:solidFill>
+                <a:schemeClr val="tx1">
+                  <a:lumMod val="75000"/>
+                  <a:lumOff val="25000"/>
+                </a:schemeClr>
+              </a:solidFill>
+              <a:cs typeface="Segoe UI" panose="020B0502040204020203" pitchFamily="34" charset="0"/>
+            </a:endParaRPr>
+          </a:p>
+          <a:p>
+            <a:pPr marL="285750" indent="-285750">
+              <a:lnSpc>
+                <a:spcPts val="1900"/>
+              </a:lnSpc>
+              <a:buFontTx/>
+              <a:buChar char="-"/>
+            </a:pPr>
+            <a:r>
+              <a:rPr lang="en-US" sz="1400" b="1" dirty="0">
+                <a:solidFill>
+                  <a:schemeClr val="tx1">
+                    <a:lumMod val="75000"/>
+                    <a:lumOff val="25000"/>
+                  </a:schemeClr>
+                </a:solidFill>
+                <a:cs typeface="Segoe UI" panose="020B0502040204020203" pitchFamily="34" charset="0"/>
+              </a:rPr>
+              <a:t> Countries with low GDP have slightly high suicide rates</a:t>
+            </a:r>
+          </a:p>
+          <a:p>
+            <a:pPr>
+              <a:lnSpc>
+                <a:spcPts val="1900"/>
+              </a:lnSpc>
+            </a:pPr>
+            <a:r>
+              <a:rPr lang="en-US" sz="1400" b="1" dirty="0">
+                <a:solidFill>
+                  <a:schemeClr val="tx1">
+                    <a:lumMod val="75000"/>
+                    <a:lumOff val="25000"/>
+                  </a:schemeClr>
+                </a:solidFill>
+                <a:cs typeface="Segoe UI" panose="020B0502040204020203" pitchFamily="34" charset="0"/>
+              </a:rPr>
+              <a:t> </a:t>
+            </a:r>
+          </a:p>
+          <a:p>
+            <a:pPr marL="285750" indent="-285750">
+              <a:lnSpc>
+                <a:spcPts val="1900"/>
+              </a:lnSpc>
+              <a:buFontTx/>
+              <a:buChar char="-"/>
+            </a:pPr>
+            <a:endParaRPr lang="en-US" sz="1400" b="1" dirty="0">
+              <a:solidFill>
+                <a:schemeClr val="tx1">
+                  <a:lumMod val="75000"/>
+                  <a:lumOff val="25000"/>
+                </a:schemeClr>
+              </a:solidFill>
+              <a:cs typeface="Segoe UI" panose="020B0502040204020203" pitchFamily="34" charset="0"/>
+            </a:endParaRPr>
+          </a:p>
+          <a:p>
+            <a:pPr marL="285750" indent="-285750">
+              <a:lnSpc>
+                <a:spcPts val="1900"/>
+              </a:lnSpc>
+              <a:buFontTx/>
+              <a:buChar char="-"/>
+            </a:pPr>
+            <a:endParaRPr lang="en-US" sz="1400" b="1" dirty="0">
+              <a:solidFill>
+                <a:schemeClr val="tx1">
+                  <a:lumMod val="75000"/>
+                  <a:lumOff val="25000"/>
+                </a:schemeClr>
+              </a:solidFill>
+              <a:cs typeface="Segoe UI" panose="020B0502040204020203" pitchFamily="34" charset="0"/>
+            </a:endParaRPr>
+          </a:p>
+        </p:txBody>
+      </p:sp>
+      <p:sp>
+        <p:nvSpPr>
+          <p:cNvPr id="12" name="Rectangle 11">
+            <a:extLst>
+              <a:ext uri="{FF2B5EF4-FFF2-40B4-BE49-F238E27FC236}">
+                <a16:creationId xmlns:a16="http://schemas.microsoft.com/office/drawing/2014/main" id="{EA52CBCF-F65C-4A2C-979B-534587067366}"/>
+              </a:ext>
+            </a:extLst>
+          </p:cNvPr>
+          <p:cNvSpPr/>
+          <p:nvPr/>
+        </p:nvSpPr>
+        <p:spPr>
+          <a:xfrm>
+            <a:off x="1108799" y="1909429"/>
+            <a:ext cx="2223561" cy="243656"/>
+          </a:xfrm>
+          <a:prstGeom prst="rect">
+            <a:avLst/>
+          </a:prstGeom>
+        </p:spPr>
+        <p:txBody>
+          <a:bodyPr wrap="square" lIns="0" tIns="0" rIns="0" bIns="0" anchor="t">
+            <a:spAutoFit/>
+          </a:bodyPr>
+          <a:lstStyle/>
+          <a:p>
+            <a:pPr>
+              <a:lnSpc>
+                <a:spcPts val="1900"/>
+              </a:lnSpc>
+            </a:pPr>
+            <a:r>
+              <a:rPr lang="en-US" sz="1600" b="1" dirty="0">
+                <a:solidFill>
+                  <a:schemeClr val="accent4">
+                    <a:lumMod val="75000"/>
+                  </a:schemeClr>
+                </a:solidFill>
+                <a:latin typeface="+mj-lt"/>
+                <a:cs typeface="Segoe UI" panose="020B0502040204020203" pitchFamily="34" charset="0"/>
+              </a:rPr>
+              <a:t>Regression Slope (b) slope</a:t>
+            </a:r>
+          </a:p>
+        </p:txBody>
+      </p:sp>
+      <p:sp>
+        <p:nvSpPr>
+          <p:cNvPr id="13" name="Rectangle 12">
+            <a:extLst>
+              <a:ext uri="{FF2B5EF4-FFF2-40B4-BE49-F238E27FC236}">
+                <a16:creationId xmlns:a16="http://schemas.microsoft.com/office/drawing/2014/main" id="{02D93291-5478-4661-9513-EE4CA2D1D64E}"/>
+              </a:ext>
+            </a:extLst>
+          </p:cNvPr>
+          <p:cNvSpPr/>
+          <p:nvPr/>
+        </p:nvSpPr>
+        <p:spPr>
+          <a:xfrm>
+            <a:off x="805389" y="2296348"/>
+            <a:ext cx="2570784" cy="492443"/>
+          </a:xfrm>
+          <a:prstGeom prst="rect">
+            <a:avLst/>
+          </a:prstGeom>
+        </p:spPr>
+        <p:txBody>
+          <a:bodyPr wrap="square" lIns="0" tIns="0" rIns="0" bIns="0" anchor="t">
+            <a:spAutoFit/>
+          </a:bodyPr>
+          <a:lstStyle/>
+          <a:p>
+            <a:pPr algn="ctr"/>
+            <a:r>
+              <a:rPr lang="en-US" sz="3200" dirty="0">
+                <a:solidFill>
+                  <a:schemeClr val="accent3">
+                    <a:lumMod val="75000"/>
+                  </a:schemeClr>
+                </a:solidFill>
+                <a:cs typeface="Segoe UI" panose="020B0502040204020203" pitchFamily="34" charset="0"/>
+              </a:rPr>
+              <a:t>1.48 </a:t>
+            </a:r>
+            <a:endParaRPr lang="en-US" sz="3200" baseline="30000" dirty="0">
+              <a:solidFill>
+                <a:schemeClr val="accent3">
+                  <a:lumMod val="75000"/>
+                </a:schemeClr>
+              </a:solidFill>
+              <a:cs typeface="Segoe UI" panose="020B0502040204020203" pitchFamily="34" charset="0"/>
+            </a:endParaRPr>
+          </a:p>
+        </p:txBody>
+      </p:sp>
+      <p:sp>
+        <p:nvSpPr>
+          <p:cNvPr id="18" name="Rectangle 17">
+            <a:extLst>
+              <a:ext uri="{FF2B5EF4-FFF2-40B4-BE49-F238E27FC236}">
+                <a16:creationId xmlns:a16="http://schemas.microsoft.com/office/drawing/2014/main" id="{FBB24BA4-4DFC-4573-8175-F5EBD67B3EE6}"/>
+              </a:ext>
+            </a:extLst>
+          </p:cNvPr>
+          <p:cNvSpPr/>
+          <p:nvPr/>
+        </p:nvSpPr>
+        <p:spPr>
+          <a:xfrm>
+            <a:off x="8959370" y="3996811"/>
+            <a:ext cx="2223561" cy="243656"/>
+          </a:xfrm>
+          <a:prstGeom prst="rect">
+            <a:avLst/>
+          </a:prstGeom>
+        </p:spPr>
+        <p:txBody>
+          <a:bodyPr wrap="square" lIns="0" tIns="0" rIns="0" bIns="0" anchor="t">
+            <a:spAutoFit/>
+          </a:bodyPr>
+          <a:lstStyle/>
+          <a:p>
+            <a:pPr algn="ctr">
+              <a:lnSpc>
+                <a:spcPts val="1900"/>
+              </a:lnSpc>
+            </a:pPr>
+            <a:r>
+              <a:rPr lang="en-US" sz="1600" b="1" dirty="0">
+                <a:solidFill>
+                  <a:schemeClr val="accent4">
+                    <a:lumMod val="75000"/>
+                  </a:schemeClr>
+                </a:solidFill>
+                <a:latin typeface="+mj-lt"/>
+                <a:cs typeface="Segoe UI" panose="020B0502040204020203" pitchFamily="34" charset="0"/>
+              </a:rPr>
+              <a:t>Conclusion:</a:t>
             </a:r>
           </a:p>
         </p:txBody>
